--- a/apresentacao-moavi/apresentacao-moavi.pptx
+++ b/apresentacao-moavi/apresentacao-moavi.pptx
@@ -137,7 +137,7 @@
 <file path=ppt/revisionInfo.xml><?xml version="1.0" encoding="utf-8"?>
 <p1510:revInfo xmlns:a="http://schemas.openxmlformats.org/drawingml/2006/main" xmlns:r="http://schemas.openxmlformats.org/officeDocument/2006/relationships" xmlns:p1510="http://schemas.microsoft.com/office/powerpoint/2015/10/main">
   <p1510:revLst>
-    <p1510:client id="{5CF1D33C-F8BD-4C24-854F-26D4D8569BD5}" v="67" dt="2025-02-27T01:16:18.612"/>
+    <p1510:client id="{5CF1D33C-F8BD-4C24-854F-26D4D8569BD5}" v="70" dt="2025-02-27T21:02:19.987"/>
   </p1510:revLst>
 </p1510:revInfo>
 </file>
@@ -147,7 +147,7 @@
   <pc:docChgLst>
     <pc:chgData name="BRUNO BRANDAO" userId="4352b7cf-3477-444f-815c-6b8182592881" providerId="ADAL" clId="{5CF1D33C-F8BD-4C24-854F-26D4D8569BD5}"/>
     <pc:docChg chg="undo custSel addSld delSld modSld modShowInfo">
-      <pc:chgData name="BRUNO BRANDAO" userId="4352b7cf-3477-444f-815c-6b8182592881" providerId="ADAL" clId="{5CF1D33C-F8BD-4C24-854F-26D4D8569BD5}" dt="2025-02-27T01:20:21.562" v="1471" actId="1076"/>
+      <pc:chgData name="BRUNO BRANDAO" userId="4352b7cf-3477-444f-815c-6b8182592881" providerId="ADAL" clId="{5CF1D33C-F8BD-4C24-854F-26D4D8569BD5}" dt="2025-02-27T21:02:19.986" v="1474" actId="115"/>
       <pc:docMkLst>
         <pc:docMk/>
       </pc:docMkLst>
@@ -206,7 +206,7 @@
         </pc:spChg>
       </pc:sldChg>
       <pc:sldChg chg="addSp delSp modSp mod modAnim">
-        <pc:chgData name="BRUNO BRANDAO" userId="4352b7cf-3477-444f-815c-6b8182592881" providerId="ADAL" clId="{5CF1D33C-F8BD-4C24-854F-26D4D8569BD5}" dt="2025-02-27T01:16:10.848" v="1467"/>
+        <pc:chgData name="BRUNO BRANDAO" userId="4352b7cf-3477-444f-815c-6b8182592881" providerId="ADAL" clId="{5CF1D33C-F8BD-4C24-854F-26D4D8569BD5}" dt="2025-02-27T21:02:19.986" v="1474" actId="115"/>
         <pc:sldMkLst>
           <pc:docMk/>
           <pc:sldMk cId="4249479166" sldId="258"/>
@@ -236,7 +236,7 @@
           </ac:spMkLst>
         </pc:spChg>
         <pc:spChg chg="add mod">
-          <ac:chgData name="BRUNO BRANDAO" userId="4352b7cf-3477-444f-815c-6b8182592881" providerId="ADAL" clId="{5CF1D33C-F8BD-4C24-854F-26D4D8569BD5}" dt="2025-02-27T01:06:17.729" v="1419" actId="115"/>
+          <ac:chgData name="BRUNO BRANDAO" userId="4352b7cf-3477-444f-815c-6b8182592881" providerId="ADAL" clId="{5CF1D33C-F8BD-4C24-854F-26D4D8569BD5}" dt="2025-02-27T21:02:19.986" v="1474" actId="115"/>
           <ac:spMkLst>
             <pc:docMk/>
             <pc:sldMk cId="4249479166" sldId="258"/>
@@ -612,7 +612,7 @@
           <a:p>
             <a:fld id="{E30A1155-DA2C-475B-9E38-F5993D4B42CC}" type="datetimeFigureOut">
               <a:rPr lang="pt-BR" smtClean="0"/>
-              <a:t>26/02/2025</a:t>
+              <a:t>27/02/2025</a:t>
             </a:fld>
             <a:endParaRPr lang="pt-BR"/>
           </a:p>
@@ -1738,7 +1738,7 @@
           <a:p>
             <a:fld id="{301F10FC-AEAF-44C9-89A4-F03AEB3784A7}" type="datetimeFigureOut">
               <a:rPr lang="pt-BR" smtClean="0"/>
-              <a:t>26/02/2025</a:t>
+              <a:t>27/02/2025</a:t>
             </a:fld>
             <a:endParaRPr lang="pt-BR"/>
           </a:p>
@@ -1936,7 +1936,7 @@
           <a:p>
             <a:fld id="{301F10FC-AEAF-44C9-89A4-F03AEB3784A7}" type="datetimeFigureOut">
               <a:rPr lang="pt-BR" smtClean="0"/>
-              <a:t>26/02/2025</a:t>
+              <a:t>27/02/2025</a:t>
             </a:fld>
             <a:endParaRPr lang="pt-BR"/>
           </a:p>
@@ -2144,7 +2144,7 @@
           <a:p>
             <a:fld id="{301F10FC-AEAF-44C9-89A4-F03AEB3784A7}" type="datetimeFigureOut">
               <a:rPr lang="pt-BR" smtClean="0"/>
-              <a:t>26/02/2025</a:t>
+              <a:t>27/02/2025</a:t>
             </a:fld>
             <a:endParaRPr lang="pt-BR"/>
           </a:p>
@@ -2342,7 +2342,7 @@
           <a:p>
             <a:fld id="{301F10FC-AEAF-44C9-89A4-F03AEB3784A7}" type="datetimeFigureOut">
               <a:rPr lang="pt-BR" smtClean="0"/>
-              <a:t>26/02/2025</a:t>
+              <a:t>27/02/2025</a:t>
             </a:fld>
             <a:endParaRPr lang="pt-BR"/>
           </a:p>
@@ -2617,7 +2617,7 @@
           <a:p>
             <a:fld id="{301F10FC-AEAF-44C9-89A4-F03AEB3784A7}" type="datetimeFigureOut">
               <a:rPr lang="pt-BR" smtClean="0"/>
-              <a:t>26/02/2025</a:t>
+              <a:t>27/02/2025</a:t>
             </a:fld>
             <a:endParaRPr lang="pt-BR"/>
           </a:p>
@@ -2882,7 +2882,7 @@
           <a:p>
             <a:fld id="{301F10FC-AEAF-44C9-89A4-F03AEB3784A7}" type="datetimeFigureOut">
               <a:rPr lang="pt-BR" smtClean="0"/>
-              <a:t>26/02/2025</a:t>
+              <a:t>27/02/2025</a:t>
             </a:fld>
             <a:endParaRPr lang="pt-BR"/>
           </a:p>
@@ -3294,7 +3294,7 @@
           <a:p>
             <a:fld id="{301F10FC-AEAF-44C9-89A4-F03AEB3784A7}" type="datetimeFigureOut">
               <a:rPr lang="pt-BR" smtClean="0"/>
-              <a:t>26/02/2025</a:t>
+              <a:t>27/02/2025</a:t>
             </a:fld>
             <a:endParaRPr lang="pt-BR"/>
           </a:p>
@@ -3435,7 +3435,7 @@
           <a:p>
             <a:fld id="{301F10FC-AEAF-44C9-89A4-F03AEB3784A7}" type="datetimeFigureOut">
               <a:rPr lang="pt-BR" smtClean="0"/>
-              <a:t>26/02/2025</a:t>
+              <a:t>27/02/2025</a:t>
             </a:fld>
             <a:endParaRPr lang="pt-BR"/>
           </a:p>
@@ -3548,7 +3548,7 @@
           <a:p>
             <a:fld id="{301F10FC-AEAF-44C9-89A4-F03AEB3784A7}" type="datetimeFigureOut">
               <a:rPr lang="pt-BR" smtClean="0"/>
-              <a:t>26/02/2025</a:t>
+              <a:t>27/02/2025</a:t>
             </a:fld>
             <a:endParaRPr lang="pt-BR"/>
           </a:p>
@@ -3859,7 +3859,7 @@
           <a:p>
             <a:fld id="{301F10FC-AEAF-44C9-89A4-F03AEB3784A7}" type="datetimeFigureOut">
               <a:rPr lang="pt-BR" smtClean="0"/>
-              <a:t>26/02/2025</a:t>
+              <a:t>27/02/2025</a:t>
             </a:fld>
             <a:endParaRPr lang="pt-BR"/>
           </a:p>
@@ -4147,7 +4147,7 @@
           <a:p>
             <a:fld id="{301F10FC-AEAF-44C9-89A4-F03AEB3784A7}" type="datetimeFigureOut">
               <a:rPr lang="pt-BR" smtClean="0"/>
-              <a:t>26/02/2025</a:t>
+              <a:t>27/02/2025</a:t>
             </a:fld>
             <a:endParaRPr lang="pt-BR"/>
           </a:p>
@@ -4388,7 +4388,7 @@
           <a:p>
             <a:fld id="{301F10FC-AEAF-44C9-89A4-F03AEB3784A7}" type="datetimeFigureOut">
               <a:rPr lang="pt-BR" smtClean="0"/>
-              <a:t>26/02/2025</a:t>
+              <a:t>27/02/2025</a:t>
             </a:fld>
             <a:endParaRPr lang="pt-BR"/>
           </a:p>
@@ -5471,15 +5471,7 @@
           <a:p>
             <a:r>
               <a:rPr lang="pt-BR" sz="2300" dirty="0"/>
-              <a:t>Top 10 no </a:t>
-            </a:r>
-            <a:r>
-              <a:rPr lang="pt-BR" sz="2300" u="sng" dirty="0"/>
-              <a:t>Ranking</a:t>
-            </a:r>
-            <a:r>
-              <a:rPr lang="pt-BR" sz="2300" dirty="0"/>
-              <a:t> de </a:t>
+              <a:t>Top 10 no Ranking de </a:t>
             </a:r>
             <a:r>
               <a:rPr lang="pt-BR" sz="2300" dirty="0" err="1"/>
